--- a/lectures/CC-05-Data-Structures.pptx
+++ b/lectures/CC-05-Data-Structures.pptx
@@ -7852,7 +7852,7 @@
                 </a:solidFill>
                 <a:latin typeface="Menlo" panose="020B0609030804020204" pitchFamily="49" charset="0"/>
               </a:rPr>
-              <a:t>cc_04_02.py</a:t>
+              <a:t>cc_05_02.py</a:t>
             </a:r>
           </a:p>
         </p:txBody>
@@ -9667,7 +9667,7 @@
                 </a:solidFill>
                 <a:latin typeface="Menlo" panose="020B0609030804020204" pitchFamily="49" charset="0"/>
               </a:rPr>
-              <a:t>cc_04_02.py</a:t>
+              <a:t>cc_05_02.py</a:t>
             </a:r>
           </a:p>
         </p:txBody>
@@ -10905,7 +10905,7 @@
                 </a:solidFill>
                 <a:latin typeface="Menlo" panose="020B0609030804020204" pitchFamily="49" charset="0"/>
               </a:rPr>
-              <a:t>cc_04_01.py</a:t>
+              <a:t>cc_05_01.py</a:t>
             </a:r>
           </a:p>
         </p:txBody>
@@ -11176,7 +11176,7 @@
                 <a:latin typeface="Courier New" panose="02070309020205020404" pitchFamily="49" charset="0"/>
                 <a:cs typeface="Courier New" panose="02070309020205020404" pitchFamily="49" charset="0"/>
               </a:rPr>
-              <a:t>public class cc_04_01 {</a:t>
+              <a:t>public class cc_05_01 {</a:t>
             </a:r>
           </a:p>
           <a:p>
@@ -12068,7 +12068,7 @@
                 </a:solidFill>
                 <a:latin typeface="Menlo" panose="020B0609030804020204" pitchFamily="49" charset="0"/>
               </a:rPr>
-              <a:t>cc_04_01.java</a:t>
+              <a:t>cc_05_01.java</a:t>
             </a:r>
           </a:p>
         </p:txBody>
@@ -12951,7 +12951,7 @@
                 </a:solidFill>
                 <a:latin typeface="Menlo" panose="020B0609030804020204" pitchFamily="49" charset="0"/>
               </a:rPr>
-              <a:t>cc_04_01.php</a:t>
+              <a:t>cc_05_01.php</a:t>
             </a:r>
           </a:p>
         </p:txBody>
@@ -13548,7 +13548,7 @@
                 </a:solidFill>
                 <a:latin typeface="Menlo" panose="020B0609030804020204" pitchFamily="49" charset="0"/>
               </a:rPr>
-              <a:t>cc_04_01.py</a:t>
+              <a:t>cc_05_01.py</a:t>
             </a:r>
           </a:p>
         </p:txBody>
@@ -14224,7 +14224,7 @@
                 </a:solidFill>
                 <a:latin typeface="Menlo" panose="020B0609030804020204" pitchFamily="49" charset="0"/>
               </a:rPr>
-              <a:t>cc_04_01.c</a:t>
+              <a:t>cc_05_01.c</a:t>
             </a:r>
           </a:p>
           <a:p>
@@ -14973,7 +14973,7 @@
                 </a:solidFill>
                 <a:latin typeface="Menlo" panose="020B0609030804020204" pitchFamily="49" charset="0"/>
               </a:rPr>
-              <a:t>cc_04_01.c</a:t>
+              <a:t>cc_05_01.c</a:t>
             </a:r>
           </a:p>
           <a:p>
